--- a/original_plan/pitch.pptx
+++ b/original_plan/pitch.pptx
@@ -245,7 +245,7 @@
           <a:p>
             <a:fld id="{62ED1E08-290E-4E1E-83A8-B45B4E4115A3}" type="datetimeFigureOut">
               <a:rPr lang="de-DE" smtClean="0"/>
-              <a:t>19.05.2019</a:t>
+              <a:t>28.06.2019</a:t>
             </a:fld>
             <a:endParaRPr lang="de-DE"/>
           </a:p>
@@ -6140,11 +6140,7 @@
           <a:p>
             <a:r>
               <a:rPr lang="en-US" dirty="0" smtClean="0"/>
-              <a:t>Connectin</a:t>
-            </a:r>
-            <a:r>
-              <a:rPr lang="en-US" dirty="0" smtClean="0"/>
-              <a:t>g the digital worlds</a:t>
+              <a:t>Connecting the digital worlds</a:t>
             </a:r>
             <a:endParaRPr lang="de-DE" dirty="0"/>
           </a:p>
@@ -6322,7 +6318,6 @@
               <a:rPr lang="de-DE" sz="8800" dirty="0" smtClean="0"/>
               <a:t>+</a:t>
             </a:r>
-            <a:endParaRPr lang="de-DE" sz="8800" dirty="0" smtClean="0"/>
           </a:p>
         </p:txBody>
       </p:sp>
@@ -6336,6 +6331,13 @@
   <p:clrMapOvr>
     <a:masterClrMapping/>
   </p:clrMapOvr>
+  <p:timing>
+    <p:tnLst>
+      <p:par>
+        <p:cTn id="1" dur="indefinite" restart="never" nodeType="tmRoot"/>
+      </p:par>
+    </p:tnLst>
+  </p:timing>
 </p:sld>
 </file>
 
@@ -6478,6 +6480,13 @@
   <p:clrMapOvr>
     <a:masterClrMapping/>
   </p:clrMapOvr>
+  <p:timing>
+    <p:tnLst>
+      <p:par>
+        <p:cTn id="1" dur="indefinite" restart="never" nodeType="tmRoot"/>
+      </p:par>
+    </p:tnLst>
+  </p:timing>
 </p:sld>
 </file>
 
@@ -6620,6 +6629,13 @@
   <p:clrMapOvr>
     <a:masterClrMapping/>
   </p:clrMapOvr>
+  <p:timing>
+    <p:tnLst>
+      <p:par>
+        <p:cTn id="1" dur="indefinite" restart="never" nodeType="tmRoot"/>
+      </p:par>
+    </p:tnLst>
+  </p:timing>
 </p:sld>
 </file>
 
@@ -6765,6 +6781,13 @@
   <p:clrMapOvr>
     <a:masterClrMapping/>
   </p:clrMapOvr>
+  <p:timing>
+    <p:tnLst>
+      <p:par>
+        <p:cTn id="1" dur="indefinite" restart="never" nodeType="tmRoot"/>
+      </p:par>
+    </p:tnLst>
+  </p:timing>
 </p:sld>
 </file>
 
@@ -6948,7 +6971,6 @@
               <a:rPr lang="de-DE" sz="1600" dirty="0" smtClean="0"/>
               <a:t>IFTTT</a:t>
             </a:r>
-            <a:endParaRPr lang="de-DE" sz="1600" dirty="0" smtClean="0"/>
           </a:p>
         </p:txBody>
       </p:sp>
@@ -6996,7 +7018,6 @@
               <a:rPr lang="de-DE" sz="1600" dirty="0" smtClean="0"/>
               <a:t>Connector</a:t>
             </a:r>
-            <a:endParaRPr lang="de-DE" sz="1600" dirty="0" smtClean="0"/>
           </a:p>
         </p:txBody>
       </p:sp>
@@ -7051,7 +7072,6 @@
               <a:rPr lang="de-DE" sz="1600" dirty="0" smtClean="0"/>
               <a:t>w/ CC &amp; OPCUA Server</a:t>
             </a:r>
-            <a:endParaRPr lang="de-DE" sz="1600" dirty="0" smtClean="0"/>
           </a:p>
         </p:txBody>
       </p:sp>
@@ -7179,7 +7199,6 @@
               <a:rPr lang="de-DE" sz="1600" dirty="0" smtClean="0"/>
               <a:t>…</a:t>
             </a:r>
-            <a:endParaRPr lang="de-DE" sz="1600" dirty="0" smtClean="0"/>
           </a:p>
         </p:txBody>
       </p:sp>
@@ -7388,8 +7407,8 @@
         </p:nvSpPr>
         <p:spPr>
           <a:xfrm>
-            <a:off x="2165421" y="2574743"/>
-            <a:ext cx="990600" cy="492443"/>
+            <a:off x="2165420" y="2574743"/>
+            <a:ext cx="1553295" cy="492443"/>
           </a:xfrm>
           <a:prstGeom prst="rect">
             <a:avLst/>
@@ -7412,7 +7431,11 @@
             </a:r>
             <a:r>
               <a:rPr lang="de-DE" sz="1600" dirty="0" err="1" smtClean="0"/>
-              <a:t>StateAPI</a:t>
+              <a:t>Commandig</a:t>
+            </a:r>
+            <a:r>
+              <a:rPr lang="de-DE" sz="1600" dirty="0" smtClean="0"/>
+              <a:t> API</a:t>
             </a:r>
             <a:endParaRPr lang="de-DE" sz="1600" dirty="0" smtClean="0"/>
           </a:p>
@@ -7602,6 +7625,13 @@
   <p:clrMapOvr>
     <a:masterClrMapping/>
   </p:clrMapOvr>
+  <p:timing>
+    <p:tnLst>
+      <p:par>
+        <p:cTn id="1" dur="indefinite" restart="never" nodeType="tmRoot"/>
+      </p:par>
+    </p:tnLst>
+  </p:timing>
 </p:sld>
 </file>
 
@@ -7988,6 +8018,13 @@
   <p:clrMapOvr>
     <a:masterClrMapping/>
   </p:clrMapOvr>
+  <p:timing>
+    <p:tnLst>
+      <p:par>
+        <p:cTn id="1" dur="indefinite" restart="never" nodeType="tmRoot"/>
+      </p:par>
+    </p:tnLst>
+  </p:timing>
 </p:sld>
 </file>
 
